--- a/Progressive Web Apps.pptx
+++ b/Progressive Web Apps.pptx
@@ -5,7 +5,7 @@
     <p:sldMasterId id="2147483648" r:id="rId1"/>
   </p:sldMasterIdLst>
   <p:notesMasterIdLst>
-    <p:notesMasterId r:id="rId7"/>
+    <p:notesMasterId r:id="rId8"/>
   </p:notesMasterIdLst>
   <p:sldIdLst>
     <p:sldId id="256" r:id="rId2"/>
@@ -13,6 +13,7 @@
     <p:sldId id="258" r:id="rId4"/>
     <p:sldId id="259" r:id="rId5"/>
     <p:sldId id="261" r:id="rId6"/>
+    <p:sldId id="262" r:id="rId7"/>
   </p:sldIdLst>
   <p:sldSz cx="9144000" cy="6858000" type="screen4x3"/>
   <p:notesSz cx="6858000" cy="9144000"/>
@@ -196,6 +197,7 @@
           <a:p>
             <a:fld id="{1E0AB488-45D9-46DE-8F1F-E683DFA188D6}" type="datetimeFigureOut">
               <a:rPr lang="en-US" smtClean="0"/>
+              <a:pPr/>
               <a:t>9/17/2017</a:t>
             </a:fld>
             <a:endParaRPr lang="en-US"/>
@@ -357,6 +359,7 @@
           <a:p>
             <a:fld id="{B89539BB-79ED-4738-82B0-E2DA4BCB5C65}" type="slidenum">
               <a:rPr lang="en-US" smtClean="0"/>
+              <a:pPr/>
               <a:t>‹#›</a:t>
             </a:fld>
             <a:endParaRPr lang="en-US"/>
@@ -561,6 +564,7 @@
           <a:p>
             <a:fld id="{B89539BB-79ED-4738-82B0-E2DA4BCB5C65}" type="slidenum">
               <a:rPr lang="en-US" smtClean="0"/>
+              <a:pPr/>
               <a:t>3</a:t>
             </a:fld>
             <a:endParaRPr lang="en-US"/>
@@ -642,6 +646,7 @@
           <a:p>
             <a:fld id="{B89539BB-79ED-4738-82B0-E2DA4BCB5C65}" type="slidenum">
               <a:rPr lang="en-US" smtClean="0"/>
+              <a:pPr/>
               <a:t>5</a:t>
             </a:fld>
             <a:endParaRPr lang="en-US"/>
@@ -837,6 +842,7 @@
           <a:p>
             <a:fld id="{4A1EF3A2-3F69-41CD-9DA8-D1DBF0D1C0E1}" type="datetimeFigureOut">
               <a:rPr lang="en-US" smtClean="0"/>
+              <a:pPr/>
               <a:t>9/17/2017</a:t>
             </a:fld>
             <a:endParaRPr lang="en-US"/>
@@ -879,6 +885,7 @@
           <a:p>
             <a:fld id="{53D5AE14-9D38-464C-B214-98DA50590CB3}" type="slidenum">
               <a:rPr lang="en-US" smtClean="0"/>
+              <a:pPr/>
               <a:t>‹#›</a:t>
             </a:fld>
             <a:endParaRPr lang="en-US"/>
@@ -1002,6 +1009,7 @@
           <a:p>
             <a:fld id="{4A1EF3A2-3F69-41CD-9DA8-D1DBF0D1C0E1}" type="datetimeFigureOut">
               <a:rPr lang="en-US" smtClean="0"/>
+              <a:pPr/>
               <a:t>9/17/2017</a:t>
             </a:fld>
             <a:endParaRPr lang="en-US"/>
@@ -1044,6 +1052,7 @@
           <a:p>
             <a:fld id="{53D5AE14-9D38-464C-B214-98DA50590CB3}" type="slidenum">
               <a:rPr lang="en-US" smtClean="0"/>
+              <a:pPr/>
               <a:t>‹#›</a:t>
             </a:fld>
             <a:endParaRPr lang="en-US"/>
@@ -1177,6 +1186,7 @@
           <a:p>
             <a:fld id="{4A1EF3A2-3F69-41CD-9DA8-D1DBF0D1C0E1}" type="datetimeFigureOut">
               <a:rPr lang="en-US" smtClean="0"/>
+              <a:pPr/>
               <a:t>9/17/2017</a:t>
             </a:fld>
             <a:endParaRPr lang="en-US"/>
@@ -1219,6 +1229,7 @@
           <a:p>
             <a:fld id="{53D5AE14-9D38-464C-B214-98DA50590CB3}" type="slidenum">
               <a:rPr lang="en-US" smtClean="0"/>
+              <a:pPr/>
               <a:t>‹#›</a:t>
             </a:fld>
             <a:endParaRPr lang="en-US"/>
@@ -1342,6 +1353,7 @@
           <a:p>
             <a:fld id="{4A1EF3A2-3F69-41CD-9DA8-D1DBF0D1C0E1}" type="datetimeFigureOut">
               <a:rPr lang="en-US" smtClean="0"/>
+              <a:pPr/>
               <a:t>9/17/2017</a:t>
             </a:fld>
             <a:endParaRPr lang="en-US"/>
@@ -1384,6 +1396,7 @@
           <a:p>
             <a:fld id="{53D5AE14-9D38-464C-B214-98DA50590CB3}" type="slidenum">
               <a:rPr lang="en-US" smtClean="0"/>
+              <a:pPr/>
               <a:t>‹#›</a:t>
             </a:fld>
             <a:endParaRPr lang="en-US"/>
@@ -1583,6 +1596,7 @@
           <a:p>
             <a:fld id="{4A1EF3A2-3F69-41CD-9DA8-D1DBF0D1C0E1}" type="datetimeFigureOut">
               <a:rPr lang="en-US" smtClean="0"/>
+              <a:pPr/>
               <a:t>9/17/2017</a:t>
             </a:fld>
             <a:endParaRPr lang="en-US"/>
@@ -1625,6 +1639,7 @@
           <a:p>
             <a:fld id="{53D5AE14-9D38-464C-B214-98DA50590CB3}" type="slidenum">
               <a:rPr lang="en-US" smtClean="0"/>
+              <a:pPr/>
               <a:t>‹#›</a:t>
             </a:fld>
             <a:endParaRPr lang="en-US"/>
@@ -1866,6 +1881,7 @@
           <a:p>
             <a:fld id="{4A1EF3A2-3F69-41CD-9DA8-D1DBF0D1C0E1}" type="datetimeFigureOut">
               <a:rPr lang="en-US" smtClean="0"/>
+              <a:pPr/>
               <a:t>9/17/2017</a:t>
             </a:fld>
             <a:endParaRPr lang="en-US"/>
@@ -1908,6 +1924,7 @@
           <a:p>
             <a:fld id="{53D5AE14-9D38-464C-B214-98DA50590CB3}" type="slidenum">
               <a:rPr lang="en-US" smtClean="0"/>
+              <a:pPr/>
               <a:t>‹#›</a:t>
             </a:fld>
             <a:endParaRPr lang="en-US"/>
@@ -2283,6 +2300,7 @@
           <a:p>
             <a:fld id="{4A1EF3A2-3F69-41CD-9DA8-D1DBF0D1C0E1}" type="datetimeFigureOut">
               <a:rPr lang="en-US" smtClean="0"/>
+              <a:pPr/>
               <a:t>9/17/2017</a:t>
             </a:fld>
             <a:endParaRPr lang="en-US"/>
@@ -2325,6 +2343,7 @@
           <a:p>
             <a:fld id="{53D5AE14-9D38-464C-B214-98DA50590CB3}" type="slidenum">
               <a:rPr lang="en-US" smtClean="0"/>
+              <a:pPr/>
               <a:t>‹#›</a:t>
             </a:fld>
             <a:endParaRPr lang="en-US"/>
@@ -2396,6 +2415,7 @@
           <a:p>
             <a:fld id="{4A1EF3A2-3F69-41CD-9DA8-D1DBF0D1C0E1}" type="datetimeFigureOut">
               <a:rPr lang="en-US" smtClean="0"/>
+              <a:pPr/>
               <a:t>9/17/2017</a:t>
             </a:fld>
             <a:endParaRPr lang="en-US"/>
@@ -2438,6 +2458,7 @@
           <a:p>
             <a:fld id="{53D5AE14-9D38-464C-B214-98DA50590CB3}" type="slidenum">
               <a:rPr lang="en-US" smtClean="0"/>
+              <a:pPr/>
               <a:t>‹#›</a:t>
             </a:fld>
             <a:endParaRPr lang="en-US"/>
@@ -2486,6 +2507,7 @@
           <a:p>
             <a:fld id="{4A1EF3A2-3F69-41CD-9DA8-D1DBF0D1C0E1}" type="datetimeFigureOut">
               <a:rPr lang="en-US" smtClean="0"/>
+              <a:pPr/>
               <a:t>9/17/2017</a:t>
             </a:fld>
             <a:endParaRPr lang="en-US"/>
@@ -2528,6 +2550,7 @@
           <a:p>
             <a:fld id="{53D5AE14-9D38-464C-B214-98DA50590CB3}" type="slidenum">
               <a:rPr lang="en-US" smtClean="0"/>
+              <a:pPr/>
               <a:t>‹#›</a:t>
             </a:fld>
             <a:endParaRPr lang="en-US"/>
@@ -2758,6 +2781,7 @@
           <a:p>
             <a:fld id="{4A1EF3A2-3F69-41CD-9DA8-D1DBF0D1C0E1}" type="datetimeFigureOut">
               <a:rPr lang="en-US" smtClean="0"/>
+              <a:pPr/>
               <a:t>9/17/2017</a:t>
             </a:fld>
             <a:endParaRPr lang="en-US"/>
@@ -2800,6 +2824,7 @@
           <a:p>
             <a:fld id="{53D5AE14-9D38-464C-B214-98DA50590CB3}" type="slidenum">
               <a:rPr lang="en-US" smtClean="0"/>
+              <a:pPr/>
               <a:t>‹#›</a:t>
             </a:fld>
             <a:endParaRPr lang="en-US"/>
@@ -3006,6 +3031,7 @@
           <a:p>
             <a:fld id="{4A1EF3A2-3F69-41CD-9DA8-D1DBF0D1C0E1}" type="datetimeFigureOut">
               <a:rPr lang="en-US" smtClean="0"/>
+              <a:pPr/>
               <a:t>9/17/2017</a:t>
             </a:fld>
             <a:endParaRPr lang="en-US"/>
@@ -3048,6 +3074,7 @@
           <a:p>
             <a:fld id="{53D5AE14-9D38-464C-B214-98DA50590CB3}" type="slidenum">
               <a:rPr lang="en-US" smtClean="0"/>
+              <a:pPr/>
               <a:t>‹#›</a:t>
             </a:fld>
             <a:endParaRPr lang="en-US"/>
@@ -3214,6 +3241,7 @@
           <a:p>
             <a:fld id="{4A1EF3A2-3F69-41CD-9DA8-D1DBF0D1C0E1}" type="datetimeFigureOut">
               <a:rPr lang="en-US" smtClean="0"/>
+              <a:pPr/>
               <a:t>9/17/2017</a:t>
             </a:fld>
             <a:endParaRPr lang="en-US"/>
@@ -3292,6 +3320,7 @@
           <a:p>
             <a:fld id="{53D5AE14-9D38-464C-B214-98DA50590CB3}" type="slidenum">
               <a:rPr lang="en-US" smtClean="0"/>
+              <a:pPr/>
               <a:t>‹#›</a:t>
             </a:fld>
             <a:endParaRPr lang="en-US"/>
@@ -4055,6 +4084,219 @@
           <a:p>
             <a:pPr lvl="1"/>
             <a:endParaRPr lang="en-US" dirty="0"/>
+          </a:p>
+          <a:p>
+            <a:endParaRPr lang="en-US" dirty="0"/>
+          </a:p>
+        </p:txBody>
+      </p:sp>
+    </p:spTree>
+  </p:cSld>
+  <p:clrMapOvr>
+    <a:masterClrMapping/>
+  </p:clrMapOvr>
+</p:sld>
+</file>
+
+<file path=ppt/slides/slide6.xml><?xml version="1.0" encoding="utf-8"?>
+<p:sld xmlns:a="http://schemas.openxmlformats.org/drawingml/2006/main" xmlns:r="http://schemas.openxmlformats.org/officeDocument/2006/relationships" xmlns:p="http://schemas.openxmlformats.org/presentationml/2006/main">
+  <p:cSld>
+    <p:spTree>
+      <p:nvGrpSpPr>
+        <p:cNvPr id="1" name=""/>
+        <p:cNvGrpSpPr/>
+        <p:nvPr/>
+      </p:nvGrpSpPr>
+      <p:grpSpPr>
+        <a:xfrm>
+          <a:off x="0" y="0"/>
+          <a:ext cx="0" cy="0"/>
+          <a:chOff x="0" y="0"/>
+          <a:chExt cx="0" cy="0"/>
+        </a:xfrm>
+      </p:grpSpPr>
+      <p:sp>
+        <p:nvSpPr>
+          <p:cNvPr id="2" name="Title 1"/>
+          <p:cNvSpPr>
+            <a:spLocks noGrp="1"/>
+          </p:cNvSpPr>
+          <p:nvPr>
+            <p:ph type="title"/>
+          </p:nvPr>
+        </p:nvSpPr>
+        <p:spPr/>
+        <p:txBody>
+          <a:bodyPr/>
+          <a:lstStyle/>
+          <a:p>
+            <a:r>
+              <a:rPr lang="en-US" dirty="0" smtClean="0"/>
+              <a:t>Hands on</a:t>
+            </a:r>
+            <a:endParaRPr lang="en-US" dirty="0"/>
+          </a:p>
+        </p:txBody>
+      </p:sp>
+      <p:pic>
+        <p:nvPicPr>
+          <p:cNvPr id="1026" name="Picture 2"/>
+          <p:cNvPicPr>
+            <a:picLocks noGrp="1" noChangeAspect="1" noChangeArrowheads="1"/>
+          </p:cNvPicPr>
+          <p:nvPr>
+            <p:ph idx="1"/>
+          </p:nvPr>
+        </p:nvPicPr>
+        <p:blipFill>
+          <a:blip r:embed="rId2"/>
+          <a:srcRect/>
+          <a:stretch>
+            <a:fillRect/>
+          </a:stretch>
+        </p:blipFill>
+        <p:spPr bwMode="auto">
+          <a:xfrm>
+            <a:off x="914400" y="1219200"/>
+            <a:ext cx="2374683" cy="4525963"/>
+          </a:xfrm>
+          <a:prstGeom prst="rect">
+            <a:avLst/>
+          </a:prstGeom>
+          <a:noFill/>
+          <a:ln w="9525">
+            <a:noFill/>
+            <a:miter lim="800000"/>
+            <a:headEnd/>
+            <a:tailEnd/>
+          </a:ln>
+          <a:effectLst/>
+        </p:spPr>
+      </p:pic>
+      <p:sp>
+        <p:nvSpPr>
+          <p:cNvPr id="5" name="TextBox 4"/>
+          <p:cNvSpPr txBox="1"/>
+          <p:nvPr/>
+        </p:nvSpPr>
+        <p:spPr>
+          <a:xfrm>
+            <a:off x="3581400" y="1905000"/>
+            <a:ext cx="4495800" cy="2031325"/>
+          </a:xfrm>
+          <a:prstGeom prst="rect">
+            <a:avLst/>
+          </a:prstGeom>
+          <a:noFill/>
+        </p:spPr>
+        <p:txBody>
+          <a:bodyPr wrap="square" rtlCol="0">
+            <a:spAutoFit/>
+          </a:bodyPr>
+          <a:lstStyle/>
+          <a:p>
+            <a:r>
+              <a:rPr lang="en-US" dirty="0" smtClean="0"/>
+              <a:t>What you'll learn</a:t>
+            </a:r>
+          </a:p>
+          <a:p>
+            <a:pPr marL="342900" indent="-342900">
+              <a:buFont typeface="+mj-lt"/>
+              <a:buAutoNum type="arabicPeriod"/>
+            </a:pPr>
+            <a:r>
+              <a:rPr lang="en-US" dirty="0" smtClean="0"/>
+              <a:t>How to design and construct an app using the "app shell" </a:t>
+            </a:r>
+            <a:r>
+              <a:rPr lang="en-US" dirty="0" smtClean="0"/>
+              <a:t>method.</a:t>
+            </a:r>
+          </a:p>
+          <a:p>
+            <a:pPr marL="342900" indent="-342900">
+              <a:buFont typeface="+mj-lt"/>
+              <a:buAutoNum type="arabicPeriod"/>
+            </a:pPr>
+            <a:r>
+              <a:rPr lang="en-US" dirty="0" smtClean="0"/>
+              <a:t>How </a:t>
+            </a:r>
+            <a:r>
+              <a:rPr lang="en-US" dirty="0" smtClean="0"/>
+              <a:t>to make your app work </a:t>
+            </a:r>
+            <a:r>
+              <a:rPr lang="en-US" dirty="0" smtClean="0"/>
+              <a:t>offline.</a:t>
+            </a:r>
+          </a:p>
+          <a:p>
+            <a:pPr marL="342900" indent="-342900">
+              <a:buFont typeface="+mj-lt"/>
+              <a:buAutoNum type="arabicPeriod"/>
+            </a:pPr>
+            <a:r>
+              <a:rPr lang="en-US" dirty="0" smtClean="0"/>
+              <a:t>How </a:t>
+            </a:r>
+            <a:r>
+              <a:rPr lang="en-US" dirty="0" smtClean="0"/>
+              <a:t>to store data for later offline </a:t>
+            </a:r>
+            <a:r>
+              <a:rPr lang="en-US" dirty="0" smtClean="0"/>
+              <a:t>use</a:t>
+            </a:r>
+          </a:p>
+          <a:p>
+            <a:pPr marL="342900" indent="-342900"/>
+            <a:endParaRPr lang="en-US" dirty="0" smtClean="0"/>
+          </a:p>
+          <a:p>
+            <a:endParaRPr lang="en-US" dirty="0"/>
+          </a:p>
+        </p:txBody>
+      </p:sp>
+      <p:sp>
+        <p:nvSpPr>
+          <p:cNvPr id="6" name="TextBox 5"/>
+          <p:cNvSpPr txBox="1"/>
+          <p:nvPr/>
+        </p:nvSpPr>
+        <p:spPr>
+          <a:xfrm>
+            <a:off x="228600" y="5867400"/>
+            <a:ext cx="8915400" cy="1200329"/>
+          </a:xfrm>
+          <a:prstGeom prst="rect">
+            <a:avLst/>
+          </a:prstGeom>
+          <a:noFill/>
+        </p:spPr>
+        <p:txBody>
+          <a:bodyPr wrap="square" rtlCol="0">
+            <a:spAutoFit/>
+          </a:bodyPr>
+          <a:lstStyle/>
+          <a:p>
+            <a:pPr marL="342900" indent="-342900"/>
+            <a:r>
+              <a:rPr lang="en-US" dirty="0" smtClean="0"/>
+              <a:t>URL -h</a:t>
+            </a:r>
+            <a:r>
+              <a:rPr lang="en-US" dirty="0" smtClean="0">
+                <a:hlinkClick r:id="rId3"/>
+              </a:rPr>
+              <a:t>ttps://developers.google.com/web/fundamentals/getting-started/codelabs/your-first-pwapp/</a:t>
+            </a:r>
+            <a:endParaRPr lang="en-US" dirty="0" smtClean="0"/>
+          </a:p>
+          <a:p>
+            <a:pPr marL="342900" indent="-342900"/>
+            <a:endParaRPr lang="en-US" dirty="0" smtClean="0"/>
           </a:p>
           <a:p>
             <a:endParaRPr lang="en-US" dirty="0"/>
